--- a/주요지역 교통비교.pptx
+++ b/주요지역 교통비교.pptx
@@ -6,11 +6,10 @@
   </p:sldMasterIdLst>
   <p:sldIdLst>
     <p:sldId id="256" r:id="rId2"/>
-    <p:sldId id="257" r:id="rId3"/>
-    <p:sldId id="261" r:id="rId4"/>
-    <p:sldId id="258" r:id="rId5"/>
-    <p:sldId id="259" r:id="rId6"/>
-    <p:sldId id="260" r:id="rId7"/>
+    <p:sldId id="261" r:id="rId3"/>
+    <p:sldId id="258" r:id="rId4"/>
+    <p:sldId id="262" r:id="rId5"/>
+    <p:sldId id="260" r:id="rId6"/>
   </p:sldIdLst>
   <p:sldSz cx="12192000" cy="6858000"/>
   <p:notesSz cx="6858000" cy="9144000"/>
@@ -264,7 +263,7 @@
           <a:p>
             <a:fld id="{EF11E55E-47CA-488E-BC7C-073A2CE36CBF}" type="datetimeFigureOut">
               <a:rPr lang="ko-KR" altLang="en-US" smtClean="0"/>
-              <a:t>2025-03-18</a:t>
+              <a:t>2025-03-19</a:t>
             </a:fld>
             <a:endParaRPr lang="ko-KR" altLang="en-US"/>
           </a:p>
@@ -462,7 +461,7 @@
           <a:p>
             <a:fld id="{EF11E55E-47CA-488E-BC7C-073A2CE36CBF}" type="datetimeFigureOut">
               <a:rPr lang="ko-KR" altLang="en-US" smtClean="0"/>
-              <a:t>2025-03-18</a:t>
+              <a:t>2025-03-19</a:t>
             </a:fld>
             <a:endParaRPr lang="ko-KR" altLang="en-US"/>
           </a:p>
@@ -670,7 +669,7 @@
           <a:p>
             <a:fld id="{EF11E55E-47CA-488E-BC7C-073A2CE36CBF}" type="datetimeFigureOut">
               <a:rPr lang="ko-KR" altLang="en-US" smtClean="0"/>
-              <a:t>2025-03-18</a:t>
+              <a:t>2025-03-19</a:t>
             </a:fld>
             <a:endParaRPr lang="ko-KR" altLang="en-US"/>
           </a:p>
@@ -868,7 +867,7 @@
           <a:p>
             <a:fld id="{EF11E55E-47CA-488E-BC7C-073A2CE36CBF}" type="datetimeFigureOut">
               <a:rPr lang="ko-KR" altLang="en-US" smtClean="0"/>
-              <a:t>2025-03-18</a:t>
+              <a:t>2025-03-19</a:t>
             </a:fld>
             <a:endParaRPr lang="ko-KR" altLang="en-US"/>
           </a:p>
@@ -1143,7 +1142,7 @@
           <a:p>
             <a:fld id="{EF11E55E-47CA-488E-BC7C-073A2CE36CBF}" type="datetimeFigureOut">
               <a:rPr lang="ko-KR" altLang="en-US" smtClean="0"/>
-              <a:t>2025-03-18</a:t>
+              <a:t>2025-03-19</a:t>
             </a:fld>
             <a:endParaRPr lang="ko-KR" altLang="en-US"/>
           </a:p>
@@ -1408,7 +1407,7 @@
           <a:p>
             <a:fld id="{EF11E55E-47CA-488E-BC7C-073A2CE36CBF}" type="datetimeFigureOut">
               <a:rPr lang="ko-KR" altLang="en-US" smtClean="0"/>
-              <a:t>2025-03-18</a:t>
+              <a:t>2025-03-19</a:t>
             </a:fld>
             <a:endParaRPr lang="ko-KR" altLang="en-US"/>
           </a:p>
@@ -1820,7 +1819,7 @@
           <a:p>
             <a:fld id="{EF11E55E-47CA-488E-BC7C-073A2CE36CBF}" type="datetimeFigureOut">
               <a:rPr lang="ko-KR" altLang="en-US" smtClean="0"/>
-              <a:t>2025-03-18</a:t>
+              <a:t>2025-03-19</a:t>
             </a:fld>
             <a:endParaRPr lang="ko-KR" altLang="en-US"/>
           </a:p>
@@ -1961,7 +1960,7 @@
           <a:p>
             <a:fld id="{EF11E55E-47CA-488E-BC7C-073A2CE36CBF}" type="datetimeFigureOut">
               <a:rPr lang="ko-KR" altLang="en-US" smtClean="0"/>
-              <a:t>2025-03-18</a:t>
+              <a:t>2025-03-19</a:t>
             </a:fld>
             <a:endParaRPr lang="ko-KR" altLang="en-US"/>
           </a:p>
@@ -2074,7 +2073,7 @@
           <a:p>
             <a:fld id="{EF11E55E-47CA-488E-BC7C-073A2CE36CBF}" type="datetimeFigureOut">
               <a:rPr lang="ko-KR" altLang="en-US" smtClean="0"/>
-              <a:t>2025-03-18</a:t>
+              <a:t>2025-03-19</a:t>
             </a:fld>
             <a:endParaRPr lang="ko-KR" altLang="en-US"/>
           </a:p>
@@ -2385,7 +2384,7 @@
           <a:p>
             <a:fld id="{EF11E55E-47CA-488E-BC7C-073A2CE36CBF}" type="datetimeFigureOut">
               <a:rPr lang="ko-KR" altLang="en-US" smtClean="0"/>
-              <a:t>2025-03-18</a:t>
+              <a:t>2025-03-19</a:t>
             </a:fld>
             <a:endParaRPr lang="ko-KR" altLang="en-US"/>
           </a:p>
@@ -2673,7 +2672,7 @@
           <a:p>
             <a:fld id="{EF11E55E-47CA-488E-BC7C-073A2CE36CBF}" type="datetimeFigureOut">
               <a:rPr lang="ko-KR" altLang="en-US" smtClean="0"/>
-              <a:t>2025-03-18</a:t>
+              <a:t>2025-03-19</a:t>
             </a:fld>
             <a:endParaRPr lang="ko-KR" altLang="en-US"/>
           </a:p>
@@ -2914,7 +2913,7 @@
           <a:p>
             <a:fld id="{EF11E55E-47CA-488E-BC7C-073A2CE36CBF}" type="datetimeFigureOut">
               <a:rPr lang="ko-KR" altLang="en-US" smtClean="0"/>
-              <a:t>2025-03-18</a:t>
+              <a:t>2025-03-19</a:t>
             </a:fld>
             <a:endParaRPr lang="ko-KR" altLang="en-US"/>
           </a:p>
@@ -3410,6 +3409,96 @@
           </a:p>
         </p:txBody>
       </p:sp>
+      <p:pic>
+        <p:nvPicPr>
+          <p:cNvPr id="2" name="그림 1">
+            <a:extLst>
+              <a:ext uri="{FF2B5EF4-FFF2-40B4-BE49-F238E27FC236}">
+                <a16:creationId xmlns:a16="http://schemas.microsoft.com/office/drawing/2014/main" id="{E1821A93-117C-4C2D-953D-B3C84C260FBF}"/>
+              </a:ext>
+            </a:extLst>
+          </p:cNvPr>
+          <p:cNvPicPr>
+            <a:picLocks noChangeAspect="1"/>
+          </p:cNvPicPr>
+          <p:nvPr/>
+        </p:nvPicPr>
+        <p:blipFill>
+          <a:blip r:embed="rId3"/>
+          <a:stretch>
+            <a:fillRect/>
+          </a:stretch>
+        </p:blipFill>
+        <p:spPr>
+          <a:xfrm>
+            <a:off x="0" y="661663"/>
+            <a:ext cx="4958745" cy="3776988"/>
+          </a:xfrm>
+          <a:prstGeom prst="rect">
+            <a:avLst/>
+          </a:prstGeom>
+        </p:spPr>
+      </p:pic>
+      <p:pic>
+        <p:nvPicPr>
+          <p:cNvPr id="3" name="그림 2">
+            <a:extLst>
+              <a:ext uri="{FF2B5EF4-FFF2-40B4-BE49-F238E27FC236}">
+                <a16:creationId xmlns:a16="http://schemas.microsoft.com/office/drawing/2014/main" id="{47E97064-C95B-4D53-8C71-7B45D8DDD35D}"/>
+              </a:ext>
+            </a:extLst>
+          </p:cNvPr>
+          <p:cNvPicPr>
+            <a:picLocks noChangeAspect="1"/>
+          </p:cNvPicPr>
+          <p:nvPr/>
+        </p:nvPicPr>
+        <p:blipFill>
+          <a:blip r:embed="rId4"/>
+          <a:stretch>
+            <a:fillRect/>
+          </a:stretch>
+        </p:blipFill>
+        <p:spPr>
+          <a:xfrm>
+            <a:off x="4155781" y="567986"/>
+            <a:ext cx="3711869" cy="4282925"/>
+          </a:xfrm>
+          <a:prstGeom prst="rect">
+            <a:avLst/>
+          </a:prstGeom>
+        </p:spPr>
+      </p:pic>
+      <p:pic>
+        <p:nvPicPr>
+          <p:cNvPr id="6" name="그림 5">
+            <a:extLst>
+              <a:ext uri="{FF2B5EF4-FFF2-40B4-BE49-F238E27FC236}">
+                <a16:creationId xmlns:a16="http://schemas.microsoft.com/office/drawing/2014/main" id="{6E6FE70B-97EE-484C-B974-297E99AEE545}"/>
+              </a:ext>
+            </a:extLst>
+          </p:cNvPr>
+          <p:cNvPicPr>
+            <a:picLocks noChangeAspect="1"/>
+          </p:cNvPicPr>
+          <p:nvPr/>
+        </p:nvPicPr>
+        <p:blipFill>
+          <a:blip r:embed="rId5"/>
+          <a:stretch>
+            <a:fillRect/>
+          </a:stretch>
+        </p:blipFill>
+        <p:spPr>
+          <a:xfrm>
+            <a:off x="7927686" y="539441"/>
+            <a:ext cx="4134427" cy="4420217"/>
+          </a:xfrm>
+          <a:prstGeom prst="rect">
+            <a:avLst/>
+          </a:prstGeom>
+        </p:spPr>
+      </p:pic>
     </p:spTree>
     <p:extLst>
       <p:ext uri="{BB962C8B-B14F-4D97-AF65-F5344CB8AC3E}">
@@ -3462,7 +3551,7 @@
         </p:blipFill>
         <p:spPr>
           <a:xfrm>
-            <a:off x="0" y="1364225"/>
+            <a:off x="0" y="1512047"/>
             <a:ext cx="12192000" cy="4129549"/>
           </a:xfrm>
           <a:prstGeom prst="rect">
@@ -3519,115 +3608,6 @@
           </a:p>
         </p:txBody>
       </p:sp>
-    </p:spTree>
-    <p:extLst>
-      <p:ext uri="{BB962C8B-B14F-4D97-AF65-F5344CB8AC3E}">
-        <p14:creationId xmlns:p14="http://schemas.microsoft.com/office/powerpoint/2010/main" val="1458340094"/>
-      </p:ext>
-    </p:extLst>
-  </p:cSld>
-  <p:clrMapOvr>
-    <a:masterClrMapping/>
-  </p:clrMapOvr>
-</p:sld>
-</file>
-
-<file path=ppt/slides/slide3.xml><?xml version="1.0" encoding="utf-8"?>
-<p:sld xmlns:a="http://schemas.openxmlformats.org/drawingml/2006/main" xmlns:r="http://schemas.openxmlformats.org/officeDocument/2006/relationships" xmlns:p="http://schemas.openxmlformats.org/presentationml/2006/main">
-  <p:cSld>
-    <p:spTree>
-      <p:nvGrpSpPr>
-        <p:cNvPr id="1" name=""/>
-        <p:cNvGrpSpPr/>
-        <p:nvPr/>
-      </p:nvGrpSpPr>
-      <p:grpSpPr>
-        <a:xfrm>
-          <a:off x="0" y="0"/>
-          <a:ext cx="0" cy="0"/>
-          <a:chOff x="0" y="0"/>
-          <a:chExt cx="0" cy="0"/>
-        </a:xfrm>
-      </p:grpSpPr>
-      <p:pic>
-        <p:nvPicPr>
-          <p:cNvPr id="2" name="그림 1">
-            <a:extLst>
-              <a:ext uri="{FF2B5EF4-FFF2-40B4-BE49-F238E27FC236}">
-                <a16:creationId xmlns:a16="http://schemas.microsoft.com/office/drawing/2014/main" id="{9904B571-CF05-42A4-9278-28A1F84B064C}"/>
-              </a:ext>
-            </a:extLst>
-          </p:cNvPr>
-          <p:cNvPicPr>
-            <a:picLocks noChangeAspect="1"/>
-          </p:cNvPicPr>
-          <p:nvPr/>
-        </p:nvPicPr>
-        <p:blipFill>
-          <a:blip r:embed="rId2"/>
-          <a:stretch>
-            <a:fillRect/>
-          </a:stretch>
-        </p:blipFill>
-        <p:spPr>
-          <a:xfrm>
-            <a:off x="0" y="1512047"/>
-            <a:ext cx="12192000" cy="4129549"/>
-          </a:xfrm>
-          <a:prstGeom prst="rect">
-            <a:avLst/>
-          </a:prstGeom>
-        </p:spPr>
-      </p:pic>
-      <p:sp>
-        <p:nvSpPr>
-          <p:cNvPr id="5" name="직사각형 4">
-            <a:extLst>
-              <a:ext uri="{FF2B5EF4-FFF2-40B4-BE49-F238E27FC236}">
-                <a16:creationId xmlns:a16="http://schemas.microsoft.com/office/drawing/2014/main" id="{F5DFE65F-5AEB-4E2E-B671-971CB75A575A}"/>
-              </a:ext>
-            </a:extLst>
-          </p:cNvPr>
-          <p:cNvSpPr/>
-          <p:nvPr/>
-        </p:nvSpPr>
-        <p:spPr>
-          <a:xfrm>
-            <a:off x="528452" y="142504"/>
-            <a:ext cx="2422566" cy="486888"/>
-          </a:xfrm>
-          <a:prstGeom prst="rect">
-            <a:avLst/>
-          </a:prstGeom>
-        </p:spPr>
-        <p:style>
-          <a:lnRef idx="2">
-            <a:schemeClr val="accent1">
-              <a:shade val="50000"/>
-            </a:schemeClr>
-          </a:lnRef>
-          <a:fillRef idx="1">
-            <a:schemeClr val="accent1"/>
-          </a:fillRef>
-          <a:effectRef idx="0">
-            <a:schemeClr val="accent1"/>
-          </a:effectRef>
-          <a:fontRef idx="minor">
-            <a:schemeClr val="lt1"/>
-          </a:fontRef>
-        </p:style>
-        <p:txBody>
-          <a:bodyPr rtlCol="0" anchor="ctr"/>
-          <a:lstStyle/>
-          <a:p>
-            <a:pPr algn="ctr"/>
-            <a:r>
-              <a:rPr lang="ko-KR" altLang="en-US"/>
-              <a:t>평촌</a:t>
-            </a:r>
-          </a:p>
-        </p:txBody>
-      </p:sp>
       <p:pic>
         <p:nvPicPr>
           <p:cNvPr id="3" name="그림 2">
@@ -3650,7 +3630,7 @@
         </p:blipFill>
         <p:spPr>
           <a:xfrm>
-            <a:off x="0" y="684971"/>
+            <a:off x="-82550" y="259521"/>
             <a:ext cx="4258269" cy="3105583"/>
           </a:xfrm>
           <a:prstGeom prst="rect">
@@ -3680,7 +3660,7 @@
         </p:blipFill>
         <p:spPr>
           <a:xfrm>
-            <a:off x="4327591" y="646652"/>
+            <a:off x="4245041" y="221202"/>
             <a:ext cx="4258269" cy="3115110"/>
           </a:xfrm>
           <a:prstGeom prst="rect">
@@ -3710,7 +3690,7 @@
         </p:blipFill>
         <p:spPr>
           <a:xfrm>
-            <a:off x="8548382" y="615234"/>
+            <a:off x="8465832" y="189784"/>
             <a:ext cx="4239217" cy="3781953"/>
           </a:xfrm>
           <a:prstGeom prst="rect">
@@ -3731,7 +3711,7 @@
 </p:sld>
 </file>
 
-<file path=ppt/slides/slide4.xml><?xml version="1.0" encoding="utf-8"?>
+<file path=ppt/slides/slide3.xml><?xml version="1.0" encoding="utf-8"?>
 <p:sld xmlns:a="http://schemas.openxmlformats.org/drawingml/2006/main" xmlns:r="http://schemas.openxmlformats.org/officeDocument/2006/relationships" xmlns:p="http://schemas.openxmlformats.org/presentationml/2006/main">
   <p:cSld>
     <p:spTree>
@@ -3900,7 +3880,7 @@
 </p:sld>
 </file>
 
-<file path=ppt/slides/slide5.xml><?xml version="1.0" encoding="utf-8"?>
+<file path=ppt/slides/slide4.xml><?xml version="1.0" encoding="utf-8"?>
 <p:sld xmlns:a="http://schemas.openxmlformats.org/drawingml/2006/main" xmlns:r="http://schemas.openxmlformats.org/officeDocument/2006/relationships" xmlns:p="http://schemas.openxmlformats.org/presentationml/2006/main">
   <p:cSld>
     <p:spTree>
@@ -3996,10 +3976,99 @@
           </a:p>
         </p:txBody>
       </p:sp>
+      <p:pic>
+        <p:nvPicPr>
+          <p:cNvPr id="7" name="그림 6">
+            <a:extLst>
+              <a:ext uri="{FF2B5EF4-FFF2-40B4-BE49-F238E27FC236}">
+                <a16:creationId xmlns:a16="http://schemas.microsoft.com/office/drawing/2014/main" id="{8E53A895-5344-4024-A1DA-5E34CBAD1F5A}"/>
+              </a:ext>
+            </a:extLst>
+          </p:cNvPr>
+          <p:cNvPicPr>
+            <a:picLocks noChangeAspect="1"/>
+          </p:cNvPicPr>
+          <p:nvPr/>
+        </p:nvPicPr>
+        <p:blipFill>
+          <a:blip r:embed="rId3"/>
+          <a:stretch>
+            <a:fillRect/>
+          </a:stretch>
+        </p:blipFill>
+        <p:spPr>
+          <a:xfrm>
+            <a:off x="45339" y="733421"/>
+            <a:ext cx="4793362" cy="2796128"/>
+          </a:xfrm>
+          <a:prstGeom prst="rect">
+            <a:avLst/>
+          </a:prstGeom>
+        </p:spPr>
+      </p:pic>
+      <p:pic>
+        <p:nvPicPr>
+          <p:cNvPr id="8" name="그림 7">
+            <a:extLst>
+              <a:ext uri="{FF2B5EF4-FFF2-40B4-BE49-F238E27FC236}">
+                <a16:creationId xmlns:a16="http://schemas.microsoft.com/office/drawing/2014/main" id="{D680FEC5-4560-422F-91A6-AD96B4F070DD}"/>
+              </a:ext>
+            </a:extLst>
+          </p:cNvPr>
+          <p:cNvPicPr>
+            <a:picLocks noChangeAspect="1"/>
+          </p:cNvPicPr>
+          <p:nvPr/>
+        </p:nvPicPr>
+        <p:blipFill>
+          <a:blip r:embed="rId4"/>
+          <a:stretch>
+            <a:fillRect/>
+          </a:stretch>
+        </p:blipFill>
+        <p:spPr>
+          <a:xfrm>
+            <a:off x="4025464" y="693465"/>
+            <a:ext cx="4275524" cy="2665685"/>
+          </a:xfrm>
+          <a:prstGeom prst="rect">
+            <a:avLst/>
+          </a:prstGeom>
+        </p:spPr>
+      </p:pic>
+      <p:pic>
+        <p:nvPicPr>
+          <p:cNvPr id="9" name="그림 8">
+            <a:extLst>
+              <a:ext uri="{FF2B5EF4-FFF2-40B4-BE49-F238E27FC236}">
+                <a16:creationId xmlns:a16="http://schemas.microsoft.com/office/drawing/2014/main" id="{86FE9EFA-0125-4A97-9D52-41748CCF0176}"/>
+              </a:ext>
+            </a:extLst>
+          </p:cNvPr>
+          <p:cNvPicPr>
+            <a:picLocks noChangeAspect="1"/>
+          </p:cNvPicPr>
+          <p:nvPr/>
+        </p:nvPicPr>
+        <p:blipFill rotWithShape="1">
+          <a:blip r:embed="rId5"/>
+          <a:srcRect b="22757"/>
+          <a:stretch/>
+        </p:blipFill>
+        <p:spPr>
+          <a:xfrm>
+            <a:off x="7751322" y="671131"/>
+            <a:ext cx="4205728" cy="2817425"/>
+          </a:xfrm>
+          <a:prstGeom prst="rect">
+            <a:avLst/>
+          </a:prstGeom>
+        </p:spPr>
+      </p:pic>
     </p:spTree>
     <p:extLst>
       <p:ext uri="{BB962C8B-B14F-4D97-AF65-F5344CB8AC3E}">
-        <p14:creationId xmlns:p14="http://schemas.microsoft.com/office/powerpoint/2010/main" val="3954010082"/>
+        <p14:creationId xmlns:p14="http://schemas.microsoft.com/office/powerpoint/2010/main" val="3195928003"/>
       </p:ext>
     </p:extLst>
   </p:cSld>
@@ -4009,7 +4078,7 @@
 </p:sld>
 </file>
 
-<file path=ppt/slides/slide6.xml><?xml version="1.0" encoding="utf-8"?>
+<file path=ppt/slides/slide5.xml><?xml version="1.0" encoding="utf-8"?>
 <p:sld xmlns:a="http://schemas.openxmlformats.org/drawingml/2006/main" xmlns:r="http://schemas.openxmlformats.org/officeDocument/2006/relationships" xmlns:p="http://schemas.openxmlformats.org/presentationml/2006/main">
   <p:cSld>
     <p:spTree>
